--- a/자료/구상/바퀴 허브 지름 계산.pptx
+++ b/자료/구상/바퀴 허브 지름 계산.pptx
@@ -104,6 +104,11 @@
       </a:defRPr>
     </a:lvl9pPr>
   </p:defaultTextStyle>
+  <p:extLst>
+    <p:ext uri="{EFAFB233-063F-42B5-8137-9DF3F51BA10A}">
+      <p15:sldGuideLst xmlns:p15="http://schemas.microsoft.com/office/powerpoint/2012/main"/>
+    </p:ext>
+  </p:extLst>
 </p:presentation>
 </file>
 
@@ -254,7 +259,7 @@
           <a:p>
             <a:fld id="{3A32B8DE-2AE8-45F6-9B79-60F62500CC0E}" type="datetimeFigureOut">
               <a:rPr lang="ko-KR" altLang="en-US" smtClean="0"/>
-              <a:t>2020-03-20</a:t>
+              <a:t>2020-03-23</a:t>
             </a:fld>
             <a:endParaRPr lang="ko-KR" altLang="en-US"/>
           </a:p>
@@ -452,7 +457,7 @@
           <a:p>
             <a:fld id="{3A32B8DE-2AE8-45F6-9B79-60F62500CC0E}" type="datetimeFigureOut">
               <a:rPr lang="ko-KR" altLang="en-US" smtClean="0"/>
-              <a:t>2020-03-20</a:t>
+              <a:t>2020-03-23</a:t>
             </a:fld>
             <a:endParaRPr lang="ko-KR" altLang="en-US"/>
           </a:p>
@@ -660,7 +665,7 @@
           <a:p>
             <a:fld id="{3A32B8DE-2AE8-45F6-9B79-60F62500CC0E}" type="datetimeFigureOut">
               <a:rPr lang="ko-KR" altLang="en-US" smtClean="0"/>
-              <a:t>2020-03-20</a:t>
+              <a:t>2020-03-23</a:t>
             </a:fld>
             <a:endParaRPr lang="ko-KR" altLang="en-US"/>
           </a:p>
@@ -858,7 +863,7 @@
           <a:p>
             <a:fld id="{3A32B8DE-2AE8-45F6-9B79-60F62500CC0E}" type="datetimeFigureOut">
               <a:rPr lang="ko-KR" altLang="en-US" smtClean="0"/>
-              <a:t>2020-03-20</a:t>
+              <a:t>2020-03-23</a:t>
             </a:fld>
             <a:endParaRPr lang="ko-KR" altLang="en-US"/>
           </a:p>
@@ -1133,7 +1138,7 @@
           <a:p>
             <a:fld id="{3A32B8DE-2AE8-45F6-9B79-60F62500CC0E}" type="datetimeFigureOut">
               <a:rPr lang="ko-KR" altLang="en-US" smtClean="0"/>
-              <a:t>2020-03-20</a:t>
+              <a:t>2020-03-23</a:t>
             </a:fld>
             <a:endParaRPr lang="ko-KR" altLang="en-US"/>
           </a:p>
@@ -1398,7 +1403,7 @@
           <a:p>
             <a:fld id="{3A32B8DE-2AE8-45F6-9B79-60F62500CC0E}" type="datetimeFigureOut">
               <a:rPr lang="ko-KR" altLang="en-US" smtClean="0"/>
-              <a:t>2020-03-20</a:t>
+              <a:t>2020-03-23</a:t>
             </a:fld>
             <a:endParaRPr lang="ko-KR" altLang="en-US"/>
           </a:p>
@@ -1810,7 +1815,7 @@
           <a:p>
             <a:fld id="{3A32B8DE-2AE8-45F6-9B79-60F62500CC0E}" type="datetimeFigureOut">
               <a:rPr lang="ko-KR" altLang="en-US" smtClean="0"/>
-              <a:t>2020-03-20</a:t>
+              <a:t>2020-03-23</a:t>
             </a:fld>
             <a:endParaRPr lang="ko-KR" altLang="en-US"/>
           </a:p>
@@ -1951,7 +1956,7 @@
           <a:p>
             <a:fld id="{3A32B8DE-2AE8-45F6-9B79-60F62500CC0E}" type="datetimeFigureOut">
               <a:rPr lang="ko-KR" altLang="en-US" smtClean="0"/>
-              <a:t>2020-03-20</a:t>
+              <a:t>2020-03-23</a:t>
             </a:fld>
             <a:endParaRPr lang="ko-KR" altLang="en-US"/>
           </a:p>
@@ -2064,7 +2069,7 @@
           <a:p>
             <a:fld id="{3A32B8DE-2AE8-45F6-9B79-60F62500CC0E}" type="datetimeFigureOut">
               <a:rPr lang="ko-KR" altLang="en-US" smtClean="0"/>
-              <a:t>2020-03-20</a:t>
+              <a:t>2020-03-23</a:t>
             </a:fld>
             <a:endParaRPr lang="ko-KR" altLang="en-US"/>
           </a:p>
@@ -2375,7 +2380,7 @@
           <a:p>
             <a:fld id="{3A32B8DE-2AE8-45F6-9B79-60F62500CC0E}" type="datetimeFigureOut">
               <a:rPr lang="ko-KR" altLang="en-US" smtClean="0"/>
-              <a:t>2020-03-20</a:t>
+              <a:t>2020-03-23</a:t>
             </a:fld>
             <a:endParaRPr lang="ko-KR" altLang="en-US"/>
           </a:p>
@@ -2663,7 +2668,7 @@
           <a:p>
             <a:fld id="{3A32B8DE-2AE8-45F6-9B79-60F62500CC0E}" type="datetimeFigureOut">
               <a:rPr lang="ko-KR" altLang="en-US" smtClean="0"/>
-              <a:t>2020-03-20</a:t>
+              <a:t>2020-03-23</a:t>
             </a:fld>
             <a:endParaRPr lang="ko-KR" altLang="en-US"/>
           </a:p>
@@ -2904,7 +2909,7 @@
           <a:p>
             <a:fld id="{3A32B8DE-2AE8-45F6-9B79-60F62500CC0E}" type="datetimeFigureOut">
               <a:rPr lang="ko-KR" altLang="en-US" smtClean="0"/>
-              <a:t>2020-03-20</a:t>
+              <a:t>2020-03-23</a:t>
             </a:fld>
             <a:endParaRPr lang="ko-KR" altLang="en-US"/>
           </a:p>
@@ -3609,6 +3614,86 @@
           </a:p>
         </p:txBody>
       </p:sp>
+      <p:cxnSp>
+        <p:nvCxnSpPr>
+          <p:cNvPr id="3" name="직선 화살표 연결선 2">
+            <a:extLst>
+              <a:ext uri="{FF2B5EF4-FFF2-40B4-BE49-F238E27FC236}">
+                <a16:creationId xmlns:a16="http://schemas.microsoft.com/office/drawing/2014/main" id="{A57EA041-FCCE-418D-96D5-493D8CE31822}"/>
+              </a:ext>
+            </a:extLst>
+          </p:cNvPr>
+          <p:cNvCxnSpPr/>
+          <p:nvPr/>
+        </p:nvCxnSpPr>
+        <p:spPr>
+          <a:xfrm>
+            <a:off x="4514850" y="790477"/>
+            <a:ext cx="0" cy="3000375"/>
+          </a:xfrm>
+          <a:prstGeom prst="straightConnector1">
+            <a:avLst/>
+          </a:prstGeom>
+          <a:ln>
+            <a:headEnd type="triangle"/>
+            <a:tailEnd type="triangle"/>
+          </a:ln>
+        </p:spPr>
+        <p:style>
+          <a:lnRef idx="1">
+            <a:schemeClr val="accent1"/>
+          </a:lnRef>
+          <a:fillRef idx="0">
+            <a:schemeClr val="accent1"/>
+          </a:fillRef>
+          <a:effectRef idx="0">
+            <a:schemeClr val="accent1"/>
+          </a:effectRef>
+          <a:fontRef idx="minor">
+            <a:schemeClr val="tx1"/>
+          </a:fontRef>
+        </p:style>
+      </p:cxnSp>
+      <p:sp>
+        <p:nvSpPr>
+          <p:cNvPr id="7" name="TextBox 6">
+            <a:extLst>
+              <a:ext uri="{FF2B5EF4-FFF2-40B4-BE49-F238E27FC236}">
+                <a16:creationId xmlns:a16="http://schemas.microsoft.com/office/drawing/2014/main" id="{0B5DF2A4-D421-463D-B46F-BCCC107AF7DB}"/>
+              </a:ext>
+            </a:extLst>
+          </p:cNvPr>
+          <p:cNvSpPr txBox="1"/>
+          <p:nvPr/>
+        </p:nvSpPr>
+        <p:spPr>
+          <a:xfrm>
+            <a:off x="4517091" y="1745231"/>
+            <a:ext cx="1167307" cy="369332"/>
+          </a:xfrm>
+          <a:prstGeom prst="rect">
+            <a:avLst/>
+          </a:prstGeom>
+          <a:noFill/>
+        </p:spPr>
+        <p:txBody>
+          <a:bodyPr wrap="none" rtlCol="0">
+            <a:spAutoFit/>
+          </a:bodyPr>
+          <a:lstStyle/>
+          <a:p>
+            <a:r>
+              <a:rPr lang="ko-KR" altLang="en-US" dirty="0"/>
+              <a:t>지름 </a:t>
+            </a:r>
+            <a:r>
+              <a:rPr lang="en-US" altLang="ko-KR" dirty="0"/>
+              <a:t>9cm</a:t>
+            </a:r>
+            <a:endParaRPr lang="ko-KR" altLang="en-US" dirty="0"/>
+          </a:p>
+        </p:txBody>
+      </p:sp>
     </p:spTree>
     <p:extLst>
       <p:ext uri="{BB962C8B-B14F-4D97-AF65-F5344CB8AC3E}">
